--- a/zzz-additional-documentation/Rest-Api-Design-Build-Run-Day-1.pptx
+++ b/zzz-additional-documentation/Rest-Api-Design-Build-Run-Day-1.pptx
@@ -5,7 +5,7 @@
     <p:sldMasterId id="2147483696" r:id="rId1"/>
   </p:sldMasterIdLst>
   <p:notesMasterIdLst>
-    <p:notesMasterId r:id="rId40"/>
+    <p:notesMasterId r:id="rId41"/>
   </p:notesMasterIdLst>
   <p:sldIdLst>
     <p:sldId id="256" r:id="rId2"/>
@@ -46,6 +46,7 @@
     <p:sldId id="291" r:id="rId37"/>
     <p:sldId id="292" r:id="rId38"/>
     <p:sldId id="293" r:id="rId39"/>
+    <p:sldId id="297" r:id="rId40"/>
   </p:sldIdLst>
   <p:sldSz cx="12192000" cy="6858000"/>
   <p:notesSz cx="6858000" cy="9144000"/>
@@ -6659,7 +6660,7 @@
           <a:p>
             <a:fld id="{46A758EB-509B-4CCF-8AD3-97A8A991C7FF}" type="datetimeFigureOut">
               <a:rPr lang="en-US" smtClean="0"/>
-              <a:t>9/11/2025</a:t>
+              <a:t>9/24/2025</a:t>
             </a:fld>
             <a:endParaRPr lang="en-US"/>
           </a:p>
@@ -7471,7 +7472,7 @@
           <a:p>
             <a:fld id="{C4D53D78-2354-48EA-98FF-9805F4E9985B}" type="datetimeFigureOut">
               <a:rPr lang="en-US" smtClean="0"/>
-              <a:t>9/11/2025</a:t>
+              <a:t>9/24/2025</a:t>
             </a:fld>
             <a:endParaRPr lang="en-US"/>
           </a:p>
@@ -7769,7 +7770,7 @@
           <a:p>
             <a:fld id="{C4D53D78-2354-48EA-98FF-9805F4E9985B}" type="datetimeFigureOut">
               <a:rPr lang="en-US" smtClean="0"/>
-              <a:t>9/11/2025</a:t>
+              <a:t>9/24/2025</a:t>
             </a:fld>
             <a:endParaRPr lang="en-US"/>
           </a:p>
@@ -7961,7 +7962,7 @@
           <a:p>
             <a:fld id="{C4D53D78-2354-48EA-98FF-9805F4E9985B}" type="datetimeFigureOut">
               <a:rPr lang="en-US" smtClean="0"/>
-              <a:t>9/11/2025</a:t>
+              <a:t>9/24/2025</a:t>
             </a:fld>
             <a:endParaRPr lang="en-US"/>
           </a:p>
@@ -8222,7 +8223,7 @@
           <a:p>
             <a:fld id="{C4D53D78-2354-48EA-98FF-9805F4E9985B}" type="datetimeFigureOut">
               <a:rPr lang="en-US" smtClean="0"/>
-              <a:t>9/11/2025</a:t>
+              <a:t>9/24/2025</a:t>
             </a:fld>
             <a:endParaRPr lang="en-US"/>
           </a:p>
@@ -8646,7 +8647,7 @@
           <a:p>
             <a:fld id="{C4D53D78-2354-48EA-98FF-9805F4E9985B}" type="datetimeFigureOut">
               <a:rPr lang="en-US" smtClean="0"/>
-              <a:t>9/11/2025</a:t>
+              <a:t>9/24/2025</a:t>
             </a:fld>
             <a:endParaRPr lang="en-US"/>
           </a:p>
@@ -9183,7 +9184,7 @@
           <a:p>
             <a:fld id="{C4D53D78-2354-48EA-98FF-9805F4E9985B}" type="datetimeFigureOut">
               <a:rPr lang="en-US" smtClean="0"/>
-              <a:t>9/11/2025</a:t>
+              <a:t>9/24/2025</a:t>
             </a:fld>
             <a:endParaRPr lang="en-US"/>
           </a:p>
@@ -10047,7 +10048,7 @@
           <a:p>
             <a:fld id="{C4D53D78-2354-48EA-98FF-9805F4E9985B}" type="datetimeFigureOut">
               <a:rPr lang="en-US" smtClean="0"/>
-              <a:t>9/11/2025</a:t>
+              <a:t>9/24/2025</a:t>
             </a:fld>
             <a:endParaRPr lang="en-US"/>
           </a:p>
@@ -10217,7 +10218,7 @@
           <a:p>
             <a:fld id="{C4D53D78-2354-48EA-98FF-9805F4E9985B}" type="datetimeFigureOut">
               <a:rPr lang="en-US" smtClean="0"/>
-              <a:t>9/11/2025</a:t>
+              <a:t>9/24/2025</a:t>
             </a:fld>
             <a:endParaRPr lang="en-US"/>
           </a:p>
@@ -10401,7 +10402,7 @@
           <a:p>
             <a:fld id="{C4D53D78-2354-48EA-98FF-9805F4E9985B}" type="datetimeFigureOut">
               <a:rPr lang="en-US" smtClean="0"/>
-              <a:t>9/11/2025</a:t>
+              <a:t>9/24/2025</a:t>
             </a:fld>
             <a:endParaRPr lang="en-US"/>
           </a:p>
@@ -10571,7 +10572,7 @@
           <a:p>
             <a:fld id="{C4D53D78-2354-48EA-98FF-9805F4E9985B}" type="datetimeFigureOut">
               <a:rPr lang="en-US" smtClean="0"/>
-              <a:t>9/11/2025</a:t>
+              <a:t>9/24/2025</a:t>
             </a:fld>
             <a:endParaRPr lang="en-US"/>
           </a:p>
@@ -10815,7 +10816,7 @@
           <a:p>
             <a:fld id="{C4D53D78-2354-48EA-98FF-9805F4E9985B}" type="datetimeFigureOut">
               <a:rPr lang="en-US" smtClean="0"/>
-              <a:t>9/11/2025</a:t>
+              <a:t>9/24/2025</a:t>
             </a:fld>
             <a:endParaRPr lang="en-US"/>
           </a:p>
@@ -11051,7 +11052,7 @@
           <a:p>
             <a:fld id="{C4D53D78-2354-48EA-98FF-9805F4E9985B}" type="datetimeFigureOut">
               <a:rPr lang="en-US" smtClean="0"/>
-              <a:t>9/11/2025</a:t>
+              <a:t>9/24/2025</a:t>
             </a:fld>
             <a:endParaRPr lang="en-US"/>
           </a:p>
@@ -11517,7 +11518,7 @@
           <a:p>
             <a:fld id="{C4D53D78-2354-48EA-98FF-9805F4E9985B}" type="datetimeFigureOut">
               <a:rPr lang="en-US" smtClean="0"/>
-              <a:t>9/11/2025</a:t>
+              <a:t>9/24/2025</a:t>
             </a:fld>
             <a:endParaRPr lang="en-US"/>
           </a:p>
@@ -11635,7 +11636,7 @@
           <a:p>
             <a:fld id="{C4D53D78-2354-48EA-98FF-9805F4E9985B}" type="datetimeFigureOut">
               <a:rPr lang="en-US" smtClean="0"/>
-              <a:t>9/11/2025</a:t>
+              <a:t>9/24/2025</a:t>
             </a:fld>
             <a:endParaRPr lang="en-US"/>
           </a:p>
@@ -11730,7 +11731,7 @@
           <a:p>
             <a:fld id="{C4D53D78-2354-48EA-98FF-9805F4E9985B}" type="datetimeFigureOut">
               <a:rPr lang="en-US" smtClean="0"/>
-              <a:t>9/11/2025</a:t>
+              <a:t>9/24/2025</a:t>
             </a:fld>
             <a:endParaRPr lang="en-US"/>
           </a:p>
@@ -11985,7 +11986,7 @@
           <a:p>
             <a:fld id="{C4D53D78-2354-48EA-98FF-9805F4E9985B}" type="datetimeFigureOut">
               <a:rPr lang="en-US" smtClean="0"/>
-              <a:t>9/11/2025</a:t>
+              <a:t>9/24/2025</a:t>
             </a:fld>
             <a:endParaRPr lang="en-US"/>
           </a:p>
@@ -12285,7 +12286,7 @@
           <a:p>
             <a:fld id="{C4D53D78-2354-48EA-98FF-9805F4E9985B}" type="datetimeFigureOut">
               <a:rPr lang="en-US" smtClean="0"/>
-              <a:t>9/11/2025</a:t>
+              <a:t>9/24/2025</a:t>
             </a:fld>
             <a:endParaRPr lang="en-US"/>
           </a:p>
@@ -12519,7 +12520,7 @@
           <a:p>
             <a:fld id="{C4D53D78-2354-48EA-98FF-9805F4E9985B}" type="datetimeFigureOut">
               <a:rPr lang="en-US" smtClean="0"/>
-              <a:t>9/11/2025</a:t>
+              <a:t>9/24/2025</a:t>
             </a:fld>
             <a:endParaRPr lang="en-US"/>
           </a:p>
@@ -27110,6 +27111,197 @@
 </p:sld>
 </file>
 
+<file path=ppt/slides/slide39.xml><?xml version="1.0" encoding="utf-8"?>
+<p:sld xmlns:a="http://schemas.openxmlformats.org/drawingml/2006/main" xmlns:r="http://schemas.openxmlformats.org/officeDocument/2006/relationships" xmlns:p="http://schemas.openxmlformats.org/presentationml/2006/main">
+  <p:cSld>
+    <p:spTree>
+      <p:nvGrpSpPr>
+        <p:cNvPr id="1" name=""/>
+        <p:cNvGrpSpPr/>
+        <p:nvPr/>
+      </p:nvGrpSpPr>
+      <p:grpSpPr>
+        <a:xfrm>
+          <a:off x="0" y="0"/>
+          <a:ext cx="0" cy="0"/>
+          <a:chOff x="0" y="0"/>
+          <a:chExt cx="0" cy="0"/>
+        </a:xfrm>
+      </p:grpSpPr>
+      <p:sp>
+        <p:nvSpPr>
+          <p:cNvPr id="2" name="Title 1">
+            <a:extLst>
+              <a:ext uri="{FF2B5EF4-FFF2-40B4-BE49-F238E27FC236}">
+                <a16:creationId xmlns:a16="http://schemas.microsoft.com/office/drawing/2014/main" id="{650E3B46-876F-3C57-ECA8-4003DAE02AC8}"/>
+              </a:ext>
+            </a:extLst>
+          </p:cNvPr>
+          <p:cNvSpPr>
+            <a:spLocks noGrp="1"/>
+          </p:cNvSpPr>
+          <p:nvPr>
+            <p:ph type="title"/>
+          </p:nvPr>
+        </p:nvSpPr>
+        <p:spPr/>
+        <p:txBody>
+          <a:bodyPr/>
+          <a:lstStyle/>
+          <a:p>
+            <a:r>
+              <a:rPr lang="en-US" dirty="0"/>
+              <a:t>Next Session  |  Pre-Flight Check</a:t>
+            </a:r>
+          </a:p>
+        </p:txBody>
+      </p:sp>
+      <p:sp>
+        <p:nvSpPr>
+          <p:cNvPr id="3" name="Content Placeholder 2">
+            <a:extLst>
+              <a:ext uri="{FF2B5EF4-FFF2-40B4-BE49-F238E27FC236}">
+                <a16:creationId xmlns:a16="http://schemas.microsoft.com/office/drawing/2014/main" id="{56CF61DF-D06B-AD92-3060-2B71136C44B3}"/>
+              </a:ext>
+            </a:extLst>
+          </p:cNvPr>
+          <p:cNvSpPr>
+            <a:spLocks noGrp="1"/>
+          </p:cNvSpPr>
+          <p:nvPr>
+            <p:ph idx="1"/>
+          </p:nvPr>
+        </p:nvSpPr>
+        <p:spPr>
+          <a:xfrm>
+            <a:off x="913795" y="1732449"/>
+            <a:ext cx="5935061" cy="4058751"/>
+          </a:xfrm>
+        </p:spPr>
+        <p:txBody>
+          <a:bodyPr>
+            <a:normAutofit fontScale="92500" lnSpcReduction="10000"/>
+          </a:bodyPr>
+          <a:lstStyle/>
+          <a:p>
+            <a:r>
+              <a:rPr lang="en-US" dirty="0"/>
+              <a:t>You have setup up a work environment</a:t>
+            </a:r>
+          </a:p>
+          <a:p>
+            <a:pPr lvl="1"/>
+            <a:r>
+              <a:rPr lang="en-US" dirty="0"/>
+              <a:t>Clone the </a:t>
+            </a:r>
+            <a:r>
+              <a:rPr lang="en-US" dirty="0" err="1">
+                <a:solidFill>
+                  <a:schemeClr val="accent1"/>
+                </a:solidFill>
+                <a:latin typeface="OCR A Extended" panose="02010509020102010303" pitchFamily="50" charset="0"/>
+              </a:rPr>
+              <a:t>api</a:t>
+            </a:r>
+            <a:r>
+              <a:rPr lang="en-US" dirty="0">
+                <a:solidFill>
+                  <a:schemeClr val="accent1"/>
+                </a:solidFill>
+                <a:latin typeface="OCR A Extended" panose="02010509020102010303" pitchFamily="50" charset="0"/>
+              </a:rPr>
+              <a:t>-workshop</a:t>
+            </a:r>
+            <a:r>
+              <a:rPr lang="en-US" dirty="0"/>
+              <a:t> mono-repo</a:t>
+            </a:r>
+          </a:p>
+          <a:p>
+            <a:pPr lvl="1"/>
+            <a:r>
+              <a:rPr lang="en-US" dirty="0"/>
+              <a:t>You can run the REST API under the directory </a:t>
+            </a:r>
+            <a:r>
+              <a:rPr lang="en-US" dirty="0">
+                <a:solidFill>
+                  <a:schemeClr val="accent1"/>
+                </a:solidFill>
+                <a:latin typeface="OCR A Extended" panose="02010509020102010303" pitchFamily="50" charset="0"/>
+              </a:rPr>
+              <a:t>library-</a:t>
+            </a:r>
+            <a:r>
+              <a:rPr lang="en-US" dirty="0" err="1">
+                <a:solidFill>
+                  <a:schemeClr val="accent1"/>
+                </a:solidFill>
+                <a:latin typeface="OCR A Extended" panose="02010509020102010303" pitchFamily="50" charset="0"/>
+              </a:rPr>
+              <a:t>api</a:t>
+            </a:r>
+            <a:r>
+              <a:rPr lang="en-US" dirty="0">
+                <a:solidFill>
+                  <a:schemeClr val="accent1"/>
+                </a:solidFill>
+                <a:latin typeface="OCR A Extended" panose="02010509020102010303" pitchFamily="50" charset="0"/>
+              </a:rPr>
+              <a:t>-basic</a:t>
+            </a:r>
+          </a:p>
+          <a:p>
+            <a:pPr lvl="1"/>
+            <a:r>
+              <a:rPr lang="en-US" dirty="0"/>
+              <a:t>Look at the README.md document for instructions</a:t>
+            </a:r>
+          </a:p>
+          <a:p>
+            <a:r>
+              <a:rPr lang="en-US" b="1" dirty="0">
+                <a:solidFill>
+                  <a:srgbClr val="FFC000"/>
+                </a:solidFill>
+              </a:rPr>
+              <a:t>Disclaimer:</a:t>
+            </a:r>
+            <a:r>
+              <a:rPr lang="en-US" dirty="0"/>
+              <a:t>  Most of my experience is building REST APIs using </a:t>
+            </a:r>
+            <a:r>
+              <a:rPr lang="en-US" dirty="0" err="1"/>
+              <a:t>c#</a:t>
+            </a:r>
+            <a:r>
+              <a:rPr lang="en-US" dirty="0"/>
+              <a:t> and the dotnet core platform for RESTful APIs.  If you are experienced in Python and could improve upon the code presented here, feel free to submit PRs to the repo so others can benefit too</a:t>
+            </a:r>
+          </a:p>
+          <a:p>
+            <a:r>
+              <a:rPr lang="en-US" dirty="0"/>
+              <a:t>We continue the story from here…</a:t>
+            </a:r>
+          </a:p>
+        </p:txBody>
+      </p:sp>
+    </p:spTree>
+    <p:extLst>
+      <p:ext uri="{BB962C8B-B14F-4D97-AF65-F5344CB8AC3E}">
+        <p14:creationId xmlns:p14="http://schemas.microsoft.com/office/powerpoint/2010/main" val="1814355794"/>
+      </p:ext>
+    </p:extLst>
+  </p:cSld>
+  <p:clrMapOvr>
+    <a:masterClrMapping/>
+  </p:clrMapOvr>
+</p:sld>
+</file>
+
 <file path=ppt/slides/slide4.xml><?xml version="1.0" encoding="utf-8"?>
 <p:sld xmlns:a="http://schemas.openxmlformats.org/drawingml/2006/main" xmlns:r="http://schemas.openxmlformats.org/officeDocument/2006/relationships" xmlns:p="http://schemas.openxmlformats.org/presentationml/2006/main">
   <p:cSld>

--- a/zzz-additional-documentation/Rest-Api-Design-Build-Run-Day-1.pptx
+++ b/zzz-additional-documentation/Rest-Api-Design-Build-Run-Day-1.pptx
@@ -17081,10 +17081,10 @@
       </p:pic>
       <p:pic>
         <p:nvPicPr>
-          <p:cNvPr id="6" name="Picture 5">
+          <p:cNvPr id="7" name="Picture 6">
             <a:extLst>
               <a:ext uri="{FF2B5EF4-FFF2-40B4-BE49-F238E27FC236}">
-                <a16:creationId xmlns:a16="http://schemas.microsoft.com/office/drawing/2014/main" id="{50C3E76A-2843-12AA-8720-D49C55B401ED}"/>
+                <a16:creationId xmlns:a16="http://schemas.microsoft.com/office/drawing/2014/main" id="{4ACFD11C-52DA-5C53-4667-95DE2F92E8D0}"/>
               </a:ext>
             </a:extLst>
           </p:cNvPr>
@@ -17101,97 +17101,14 @@
         </p:blipFill>
         <p:spPr>
           <a:xfrm>
-            <a:off x="3834410" y="1499104"/>
-            <a:ext cx="6953202" cy="5120429"/>
+            <a:off x="3319102" y="1338791"/>
+            <a:ext cx="7249736" cy="5230403"/>
           </a:xfrm>
           <a:prstGeom prst="rect">
             <a:avLst/>
           </a:prstGeom>
         </p:spPr>
       </p:pic>
-      <p:sp>
-        <p:nvSpPr>
-          <p:cNvPr id="3" name="Right Brace 2">
-            <a:extLst>
-              <a:ext uri="{FF2B5EF4-FFF2-40B4-BE49-F238E27FC236}">
-                <a16:creationId xmlns:a16="http://schemas.microsoft.com/office/drawing/2014/main" id="{075A9DDA-E86C-CBFB-7B88-411664362216}"/>
-              </a:ext>
-            </a:extLst>
-          </p:cNvPr>
-          <p:cNvSpPr/>
-          <p:nvPr/>
-        </p:nvSpPr>
-        <p:spPr>
-          <a:xfrm>
-            <a:off x="7177083" y="1579418"/>
-            <a:ext cx="267855" cy="674255"/>
-          </a:xfrm>
-          <a:prstGeom prst="rightBrace">
-            <a:avLst/>
-          </a:prstGeom>
-        </p:spPr>
-        <p:style>
-          <a:lnRef idx="1">
-            <a:schemeClr val="accent1"/>
-          </a:lnRef>
-          <a:fillRef idx="0">
-            <a:schemeClr val="accent1"/>
-          </a:fillRef>
-          <a:effectRef idx="0">
-            <a:schemeClr val="accent1"/>
-          </a:effectRef>
-          <a:fontRef idx="minor">
-            <a:schemeClr val="tx1"/>
-          </a:fontRef>
-        </p:style>
-        <p:txBody>
-          <a:bodyPr rtlCol="0" anchor="ctr"/>
-          <a:lstStyle/>
-          <a:p>
-            <a:pPr algn="ctr"/>
-            <a:endParaRPr lang="en-US"/>
-          </a:p>
-        </p:txBody>
-      </p:sp>
-      <p:sp>
-        <p:nvSpPr>
-          <p:cNvPr id="4" name="TextBox 3">
-            <a:extLst>
-              <a:ext uri="{FF2B5EF4-FFF2-40B4-BE49-F238E27FC236}">
-                <a16:creationId xmlns:a16="http://schemas.microsoft.com/office/drawing/2014/main" id="{D9E7BFD4-46C0-2A31-6B6F-2CA60598324A}"/>
-              </a:ext>
-            </a:extLst>
-          </p:cNvPr>
-          <p:cNvSpPr txBox="1"/>
-          <p:nvPr/>
-        </p:nvSpPr>
-        <p:spPr>
-          <a:xfrm>
-            <a:off x="7444938" y="1570181"/>
-            <a:ext cx="2885934" cy="707886"/>
-          </a:xfrm>
-          <a:prstGeom prst="rect">
-            <a:avLst/>
-          </a:prstGeom>
-          <a:noFill/>
-        </p:spPr>
-        <p:txBody>
-          <a:bodyPr wrap="square" rtlCol="0">
-            <a:spAutoFit/>
-          </a:bodyPr>
-          <a:lstStyle/>
-          <a:p>
-            <a:r>
-              <a:rPr lang="en-US" sz="2000" dirty="0">
-                <a:solidFill>
-                  <a:schemeClr val="accent3"/>
-                </a:solidFill>
-              </a:rPr>
-              <a:t>Something to represent the domain.</a:t>
-            </a:r>
-          </a:p>
-        </p:txBody>
-      </p:sp>
     </p:spTree>
     <p:extLst>
       <p:ext uri="{BB962C8B-B14F-4D97-AF65-F5344CB8AC3E}">

--- a/zzz-additional-documentation/Rest-Api-Design-Build-Run-Day-1.pptx
+++ b/zzz-additional-documentation/Rest-Api-Design-Build-Run-Day-1.pptx
@@ -7076,7 +7076,7 @@
           <a:p>
             <a:fld id="{CABBF519-BB17-4C09-A473-025D7A25044D}" type="slidenum">
               <a:rPr lang="en-US" smtClean="0"/>
-              <a:t>16</a:t>
+              <a:t>12</a:t>
             </a:fld>
             <a:endParaRPr lang="en-US"/>
           </a:p>
@@ -7085,7 +7085,7 @@
     </p:spTree>
     <p:extLst>
       <p:ext uri="{BB962C8B-B14F-4D97-AF65-F5344CB8AC3E}">
-        <p14:creationId xmlns:p14="http://schemas.microsoft.com/office/powerpoint/2010/main" val="1682103107"/>
+        <p14:creationId xmlns:p14="http://schemas.microsoft.com/office/powerpoint/2010/main" val="103272085"/>
       </p:ext>
     </p:extLst>
   </p:cSld>
@@ -7160,6 +7160,90 @@
           <a:p>
             <a:fld id="{CABBF519-BB17-4C09-A473-025D7A25044D}" type="slidenum">
               <a:rPr lang="en-US" smtClean="0"/>
+              <a:t>16</a:t>
+            </a:fld>
+            <a:endParaRPr lang="en-US"/>
+          </a:p>
+        </p:txBody>
+      </p:sp>
+    </p:spTree>
+    <p:extLst>
+      <p:ext uri="{BB962C8B-B14F-4D97-AF65-F5344CB8AC3E}">
+        <p14:creationId xmlns:p14="http://schemas.microsoft.com/office/powerpoint/2010/main" val="1682103107"/>
+      </p:ext>
+    </p:extLst>
+  </p:cSld>
+  <p:clrMapOvr>
+    <a:masterClrMapping/>
+  </p:clrMapOvr>
+</p:notes>
+</file>
+
+<file path=ppt/notesSlides/notesSlide4.xml><?xml version="1.0" encoding="utf-8"?>
+<p:notes xmlns:a="http://schemas.openxmlformats.org/drawingml/2006/main" xmlns:r="http://schemas.openxmlformats.org/officeDocument/2006/relationships" xmlns:p="http://schemas.openxmlformats.org/presentationml/2006/main">
+  <p:cSld>
+    <p:spTree>
+      <p:nvGrpSpPr>
+        <p:cNvPr id="1" name=""/>
+        <p:cNvGrpSpPr/>
+        <p:nvPr/>
+      </p:nvGrpSpPr>
+      <p:grpSpPr>
+        <a:xfrm>
+          <a:off x="0" y="0"/>
+          <a:ext cx="0" cy="0"/>
+          <a:chOff x="0" y="0"/>
+          <a:chExt cx="0" cy="0"/>
+        </a:xfrm>
+      </p:grpSpPr>
+      <p:sp>
+        <p:nvSpPr>
+          <p:cNvPr id="2" name="Slide Image Placeholder 1"/>
+          <p:cNvSpPr>
+            <a:spLocks noGrp="1" noRot="1" noChangeAspect="1"/>
+          </p:cNvSpPr>
+          <p:nvPr>
+            <p:ph type="sldImg"/>
+          </p:nvPr>
+        </p:nvSpPr>
+        <p:spPr/>
+      </p:sp>
+      <p:sp>
+        <p:nvSpPr>
+          <p:cNvPr id="3" name="Notes Placeholder 2"/>
+          <p:cNvSpPr>
+            <a:spLocks noGrp="1"/>
+          </p:cNvSpPr>
+          <p:nvPr>
+            <p:ph type="body" idx="1"/>
+          </p:nvPr>
+        </p:nvSpPr>
+        <p:spPr/>
+        <p:txBody>
+          <a:bodyPr/>
+          <a:lstStyle/>
+          <a:p>
+            <a:endParaRPr lang="en-US"/>
+          </a:p>
+        </p:txBody>
+      </p:sp>
+      <p:sp>
+        <p:nvSpPr>
+          <p:cNvPr id="4" name="Slide Number Placeholder 3"/>
+          <p:cNvSpPr>
+            <a:spLocks noGrp="1"/>
+          </p:cNvSpPr>
+          <p:nvPr>
+            <p:ph type="sldNum" sz="quarter" idx="5"/>
+          </p:nvPr>
+        </p:nvSpPr>
+        <p:spPr/>
+        <p:txBody>
+          <a:bodyPr/>
+          <a:lstStyle/>
+          <a:p>
+            <a:fld id="{CABBF519-BB17-4C09-A473-025D7A25044D}" type="slidenum">
+              <a:rPr lang="en-US" smtClean="0"/>
               <a:t>22</a:t>
             </a:fld>
             <a:endParaRPr lang="en-US"/>
@@ -7179,7 +7263,7 @@
 </p:notes>
 </file>
 
-<file path=ppt/notesSlides/notesSlide4.xml><?xml version="1.0" encoding="utf-8"?>
+<file path=ppt/notesSlides/notesSlide5.xml><?xml version="1.0" encoding="utf-8"?>
 <p:notes xmlns:a="http://schemas.openxmlformats.org/drawingml/2006/main" xmlns:r="http://schemas.openxmlformats.org/officeDocument/2006/relationships" xmlns:p="http://schemas.openxmlformats.org/presentationml/2006/main">
   <p:cSld>
     <p:spTree>
@@ -14422,7 +14506,7 @@
         </p:spPr>
         <p:txBody>
           <a:bodyPr>
-            <a:normAutofit fontScale="77500" lnSpcReduction="20000"/>
+            <a:normAutofit fontScale="62500" lnSpcReduction="20000"/>
           </a:bodyPr>
           <a:lstStyle/>
           <a:p>
@@ -14600,6 +14684,19 @@
             <a:r>
               <a:rPr lang="en-US" dirty="0"/>
               <a:t>5xx | Server-side Errors</a:t>
+            </a:r>
+          </a:p>
+          <a:p>
+            <a:r>
+              <a:rPr lang="en-US" dirty="0"/>
+              <a:t>Richardson Maturity Model (RMM)</a:t>
+            </a:r>
+          </a:p>
+          <a:p>
+            <a:pPr lvl="1"/>
+            <a:r>
+              <a:rPr lang="en-US" dirty="0"/>
+              <a:t>Strive for RMM - Level 2</a:t>
             </a:r>
           </a:p>
           <a:p>
@@ -25963,7 +26060,7 @@
           <a:p>
             <a:r>
               <a:rPr lang="en-US" dirty="0"/>
-              <a:t>Keep in mind the REST Maturity Model as you design your API surface</a:t>
+              <a:t>Keep in mind the Richardson Maturity Model (RMM) as you design your API surface</a:t>
             </a:r>
           </a:p>
           <a:p>
@@ -27132,8 +27229,27 @@
             </a:r>
             <a:r>
               <a:rPr lang="en-US" dirty="0"/>
-              <a:t> mono-repo</a:t>
-            </a:r>
+              <a:t> mono-repo  [</a:t>
+            </a:r>
+            <a:r>
+              <a:rPr lang="en-US" dirty="0">
+                <a:solidFill>
+                  <a:schemeClr val="accent1"/>
+                </a:solidFill>
+                <a:latin typeface="OCR A Extended" panose="02010509020102010303" pitchFamily="50" charset="0"/>
+              </a:rPr>
+              <a:t>QR Code</a:t>
+            </a:r>
+            <a:r>
+              <a:rPr lang="en-US" dirty="0"/>
+              <a:t>]</a:t>
+            </a:r>
+            <a:endParaRPr lang="en-US" dirty="0">
+              <a:solidFill>
+                <a:schemeClr val="accent1"/>
+              </a:solidFill>
+              <a:latin typeface="OCR A Extended" panose="02010509020102010303" pitchFamily="50" charset="0"/>
+            </a:endParaRPr>
           </a:p>
           <a:p>
             <a:pPr lvl="1"/>
@@ -27206,6 +27322,42 @@
           </a:p>
         </p:txBody>
       </p:sp>
+      <p:pic>
+        <p:nvPicPr>
+          <p:cNvPr id="5" name="Graphic 4">
+            <a:extLst>
+              <a:ext uri="{FF2B5EF4-FFF2-40B4-BE49-F238E27FC236}">
+                <a16:creationId xmlns:a16="http://schemas.microsoft.com/office/drawing/2014/main" id="{7B11E88C-2E33-3CA2-17BA-B766A764478B}"/>
+              </a:ext>
+            </a:extLst>
+          </p:cNvPr>
+          <p:cNvPicPr>
+            <a:picLocks noChangeAspect="1"/>
+          </p:cNvPicPr>
+          <p:nvPr/>
+        </p:nvPicPr>
+        <p:blipFill>
+          <a:blip r:embed="rId2">
+            <a:extLst>
+              <a:ext uri="{96DAC541-7B7A-43D3-8B79-37D633B846F1}">
+                <asvg:svgBlip xmlns:asvg="http://schemas.microsoft.com/office/drawing/2016/SVG/main" r:embed="rId3"/>
+              </a:ext>
+            </a:extLst>
+          </a:blip>
+          <a:stretch>
+            <a:fillRect/>
+          </a:stretch>
+        </p:blipFill>
+        <p:spPr>
+          <a:xfrm>
+            <a:off x="7725395" y="1368655"/>
+            <a:ext cx="3552810" cy="4952300"/>
+          </a:xfrm>
+          <a:prstGeom prst="rect">
+            <a:avLst/>
+          </a:prstGeom>
+        </p:spPr>
+      </p:pic>
     </p:spTree>
     <p:extLst>
       <p:ext uri="{BB962C8B-B14F-4D97-AF65-F5344CB8AC3E}">
